--- a/Lab2-Sequence-to-Sequence Recurrent Neural Network.pptx
+++ b/Lab2-Sequence-to-Sequence Recurrent Neural Network.pptx
@@ -213,7 +213,7 @@
           <a:p>
             <a:fld id="{301DECB0-F330-4BC6-8C1D-7C75579671AD}" type="datetimeFigureOut">
               <a:rPr lang="zh-TW" altLang="en-US" smtClean="0"/>
-              <a:t>2021/10/26</a:t>
+              <a:t>2021/10/27</a:t>
             </a:fld>
             <a:endParaRPr lang="zh-TW" altLang="en-US"/>
           </a:p>
@@ -753,7 +753,7 @@
           <a:p>
             <a:fld id="{B614463B-6A2E-4895-AE88-B0460F94BA61}" type="datetime1">
               <a:rPr lang="zh-TW" altLang="en-US" smtClean="0"/>
-              <a:t>2021/10/26</a:t>
+              <a:t>2021/10/27</a:t>
             </a:fld>
             <a:endParaRPr lang="zh-TW" altLang="en-US"/>
           </a:p>
@@ -1112,7 +1112,7 @@
           <a:p>
             <a:fld id="{6B794F38-121F-4F5A-A8A6-64D6FCC835F3}" type="datetime1">
               <a:rPr lang="zh-TW" altLang="en-US" smtClean="0"/>
-              <a:t>2021/10/26</a:t>
+              <a:t>2021/10/27</a:t>
             </a:fld>
             <a:endParaRPr lang="zh-TW" altLang="en-US"/>
           </a:p>
@@ -1293,7 +1293,7 @@
           <a:p>
             <a:fld id="{0439B9D7-747F-4692-A449-778117ED6CA7}" type="datetime1">
               <a:rPr lang="zh-TW" altLang="en-US" smtClean="0"/>
-              <a:t>2021/10/26</a:t>
+              <a:t>2021/10/27</a:t>
             </a:fld>
             <a:endParaRPr lang="zh-TW" altLang="en-US"/>
           </a:p>
@@ -1551,7 +1551,7 @@
           <a:p>
             <a:fld id="{2D8E0B3C-FA54-4ADD-96EF-2C6EC913B95C}" type="datetime1">
               <a:rPr lang="zh-TW" altLang="en-US" smtClean="0"/>
-              <a:t>2021/10/26</a:t>
+              <a:t>2021/10/27</a:t>
             </a:fld>
             <a:endParaRPr lang="zh-TW" altLang="en-US"/>
           </a:p>
@@ -1739,7 +1739,7 @@
           <a:p>
             <a:fld id="{50DB23B9-7681-4E73-AD9D-880A5440F673}" type="datetime1">
               <a:rPr lang="zh-TW" altLang="en-US" smtClean="0"/>
-              <a:t>2021/10/26</a:t>
+              <a:t>2021/10/27</a:t>
             </a:fld>
             <a:endParaRPr lang="zh-TW" altLang="en-US" dirty="0"/>
           </a:p>
@@ -2144,7 +2144,7 @@
           <a:p>
             <a:fld id="{BCA3DAFD-8F0A-404D-81FB-17C3407BF488}" type="datetime1">
               <a:rPr lang="zh-TW" altLang="en-US" smtClean="0"/>
-              <a:t>2021/10/26</a:t>
+              <a:t>2021/10/27</a:t>
             </a:fld>
             <a:endParaRPr lang="zh-TW" altLang="en-US"/>
           </a:p>
@@ -2415,7 +2415,7 @@
           <a:p>
             <a:fld id="{E727831A-0651-4C45-A5D5-1A26B0AB06E5}" type="datetime1">
               <a:rPr lang="zh-TW" altLang="en-US" smtClean="0"/>
-              <a:t>2021/10/26</a:t>
+              <a:t>2021/10/27</a:t>
             </a:fld>
             <a:endParaRPr lang="zh-TW" altLang="en-US"/>
           </a:p>
@@ -2783,7 +2783,7 @@
           <a:p>
             <a:fld id="{4C648786-0E4C-47EA-AC9E-EA731507A06D}" type="datetime1">
               <a:rPr lang="zh-TW" altLang="en-US" smtClean="0"/>
-              <a:t>2021/10/26</a:t>
+              <a:t>2021/10/27</a:t>
             </a:fld>
             <a:endParaRPr lang="zh-TW" altLang="en-US"/>
           </a:p>
@@ -3016,7 +3016,7 @@
           <a:p>
             <a:fld id="{A5E67952-B965-4D09-8E86-15FA0D506585}" type="datetime1">
               <a:rPr lang="zh-TW" altLang="en-US" smtClean="0"/>
-              <a:t>2021/10/26</a:t>
+              <a:t>2021/10/27</a:t>
             </a:fld>
             <a:endParaRPr lang="zh-TW" altLang="en-US"/>
           </a:p>
@@ -3112,7 +3112,7 @@
           <a:p>
             <a:fld id="{4CC9FD9E-09FC-48E7-8ADC-E4C2E957C4FB}" type="datetime1">
               <a:rPr lang="zh-TW" altLang="en-US" smtClean="0"/>
-              <a:t>2021/10/26</a:t>
+              <a:t>2021/10/27</a:t>
             </a:fld>
             <a:endParaRPr lang="zh-TW" altLang="en-US"/>
           </a:p>
@@ -3385,7 +3385,7 @@
           <a:p>
             <a:fld id="{BEAD33A4-2665-4B69-A5DC-8FCBE431627A}" type="datetime1">
               <a:rPr lang="zh-TW" altLang="en-US" smtClean="0"/>
-              <a:t>2021/10/26</a:t>
+              <a:t>2021/10/27</a:t>
             </a:fld>
             <a:endParaRPr lang="zh-TW" altLang="en-US"/>
           </a:p>
@@ -3619,7 +3619,7 @@
           <a:p>
             <a:fld id="{067392FE-DE96-47AA-9239-CD196987B051}" type="datetime1">
               <a:rPr lang="zh-TW" altLang="en-US" smtClean="0"/>
-              <a:t>2021/10/26</a:t>
+              <a:t>2021/10/27</a:t>
             </a:fld>
             <a:endParaRPr lang="zh-TW" altLang="en-US"/>
           </a:p>
@@ -4124,7 +4124,7 @@
           <a:p>
             <a:fld id="{DFF19DB1-11A0-463A-B2AA-DBDC8C4B4B55}" type="datetime1">
               <a:rPr lang="zh-TW" altLang="en-US" smtClean="0"/>
-              <a:t>2021/10/26</a:t>
+              <a:t>2021/10/27</a:t>
             </a:fld>
             <a:endParaRPr lang="zh-TW" altLang="en-US"/>
           </a:p>
@@ -5250,13 +5250,16 @@
             </a:pPr>
             <a:r>
               <a:rPr lang="en-US" altLang="zh-TW" dirty="0"/>
-              <a:t>Plot the losses, </a:t>
-            </a:r>
-            <a:r>
-              <a:rPr lang="en-US" altLang="zh-TW" dirty="0" smtClean="0"/>
-              <a:t>BLEU-4 scores.</a:t>
-            </a:r>
-            <a:endParaRPr lang="en-US" altLang="zh-TW" dirty="0"/>
+              <a:t>Plot the </a:t>
+            </a:r>
+            <a:r>
+              <a:rPr lang="en-US" altLang="zh-TW" dirty="0" err="1"/>
+              <a:t>crossentropy</a:t>
+            </a:r>
+            <a:r>
+              <a:rPr lang="en-US" altLang="zh-TW" dirty="0"/>
+              <a:t> loss and BLEU-4 score curve during training.</a:t>
+            </a:r>
           </a:p>
           <a:p>
             <a:endParaRPr lang="en-US" altLang="zh-TW" dirty="0"/>
@@ -5477,6 +5480,14 @@
               <a:rPr lang="en-US" altLang="zh-TW" sz="2000" dirty="0"/>
               <a:t>score testing curve during training. </a:t>
             </a:r>
+            <a:r>
+              <a:rPr lang="en-US" altLang="zh-TW" sz="2000" dirty="0"/>
+              <a:t>(10</a:t>
+            </a:r>
+            <a:r>
+              <a:rPr lang="en-US" altLang="zh-TW" sz="2000" dirty="0" smtClean="0"/>
+              <a:t>%)</a:t>
+            </a:r>
             <a:endParaRPr lang="en-US" altLang="zh-TW" sz="2000" dirty="0" smtClean="0"/>
           </a:p>
           <a:p>
@@ -5499,8 +5510,20 @@
             </a:r>
             <a:r>
               <a:rPr lang="en-US" altLang="zh-TW" sz="2000" dirty="0" smtClean="0"/>
-              <a:t>experimental settings.</a:t>
-            </a:r>
+              <a:t>experimental settings</a:t>
+            </a:r>
+            <a:r>
+              <a:rPr lang="en-US" altLang="zh-TW" sz="2000" dirty="0"/>
+              <a:t>. (10%)</a:t>
+            </a:r>
+            <a:endParaRPr lang="zh-TW" altLang="zh-TW" sz="2000" dirty="0"/>
+          </a:p>
+          <a:p>
+            <a:pPr lvl="1">
+              <a:lnSpc>
+                <a:spcPct val="150000"/>
+              </a:lnSpc>
+            </a:pPr>
             <a:endParaRPr lang="zh-TW" altLang="en-US" sz="2000" dirty="0"/>
           </a:p>
         </p:txBody>
@@ -6779,11 +6802,11 @@
           <a:p>
             <a:r>
               <a:rPr lang="en-US" altLang="zh-TW" dirty="0"/>
-              <a:t>Lab Description - </a:t>
-            </a:r>
-            <a:r>
-              <a:rPr lang="en-US" altLang="zh-TW" dirty="0"/>
-              <a:t>Embedding function</a:t>
+              <a:t>Lab Description </a:t>
+            </a:r>
+            <a:r>
+              <a:rPr lang="en-US" altLang="zh-TW" dirty="0" smtClean="0"/>
+              <a:t>-</a:t>
             </a:r>
             <a:endParaRPr lang="zh-TW" altLang="en-US" dirty="0"/>
           </a:p>
@@ -6801,7 +6824,9 @@
         </p:nvSpPr>
         <p:spPr/>
         <p:txBody>
-          <a:bodyPr/>
+          <a:bodyPr>
+            <a:normAutofit/>
+          </a:bodyPr>
           <a:lstStyle/>
           <a:p>
             <a:pPr>
@@ -6810,10 +6835,51 @@
               </a:lnSpc>
             </a:pPr>
             <a:r>
+              <a:rPr lang="en-US" altLang="zh-TW" sz="2400" dirty="0"/>
+              <a:t>Embedding function</a:t>
+            </a:r>
+          </a:p>
+          <a:p>
+            <a:pPr lvl="1">
+              <a:lnSpc>
+                <a:spcPct val="150000"/>
+              </a:lnSpc>
+            </a:pPr>
+            <a:r>
+              <a:rPr lang="en-US" altLang="zh-TW" dirty="0" smtClean="0"/>
+              <a:t>Since </a:t>
+            </a:r>
+            <a:r>
               <a:rPr lang="en-US" altLang="zh-TW" dirty="0"/>
-              <a:t>Since we cannot directly input words into the model, we have to encode words to specific features</a:t>
-            </a:r>
-            <a:endParaRPr lang="zh-TW" altLang="en-US" dirty="0"/>
+              <a:t>we cannot directly input words into the model, we have to encode words to specific </a:t>
+            </a:r>
+            <a:r>
+              <a:rPr lang="en-US" altLang="zh-TW" dirty="0" smtClean="0"/>
+              <a:t>features</a:t>
+            </a:r>
+          </a:p>
+          <a:p>
+            <a:pPr>
+              <a:lnSpc>
+                <a:spcPct val="150000"/>
+              </a:lnSpc>
+            </a:pPr>
+            <a:r>
+              <a:rPr lang="en-US" altLang="zh-TW" sz="2400" dirty="0"/>
+              <a:t>Teacher forcing</a:t>
+            </a:r>
+          </a:p>
+          <a:p>
+            <a:pPr lvl="1">
+              <a:lnSpc>
+                <a:spcPct val="150000"/>
+              </a:lnSpc>
+            </a:pPr>
+            <a:r>
+              <a:rPr lang="en-US" altLang="zh-TW" dirty="0"/>
+              <a:t>Using ground truth character instead of the output of the decoder. </a:t>
+            </a:r>
+            <a:endParaRPr lang="en-US" altLang="zh-TW" dirty="0"/>
           </a:p>
         </p:txBody>
       </p:sp>
@@ -6899,6 +6965,41 @@
           <a:bodyPr/>
           <a:lstStyle/>
           <a:p>
+            <a:pPr lvl="0">
+              <a:lnSpc>
+                <a:spcPct val="150000"/>
+              </a:lnSpc>
+            </a:pPr>
+            <a:r>
+              <a:rPr lang="en-US" altLang="zh-TW" dirty="0"/>
+              <a:t>The loss function is </a:t>
+            </a:r>
+            <a:r>
+              <a:rPr lang="en-US" altLang="zh-TW" dirty="0" err="1"/>
+              <a:t>nn.CrossEntropyLoss</a:t>
+            </a:r>
+            <a:r>
+              <a:rPr lang="en-US" altLang="zh-TW" dirty="0"/>
+              <a:t>().</a:t>
+            </a:r>
+          </a:p>
+          <a:p>
+            <a:pPr lvl="0">
+              <a:lnSpc>
+                <a:spcPct val="150000"/>
+              </a:lnSpc>
+            </a:pPr>
+            <a:r>
+              <a:rPr lang="en-US" altLang="zh-TW" dirty="0"/>
+              <a:t>The optimizer is </a:t>
+            </a:r>
+            <a:r>
+              <a:rPr lang="en-US" altLang="zh-TW" dirty="0" smtClean="0"/>
+              <a:t>SGD</a:t>
+            </a:r>
+            <a:endParaRPr lang="en-US" altLang="zh-TW" dirty="0" smtClean="0"/>
+          </a:p>
+          <a:p>
             <a:pPr>
               <a:lnSpc>
                 <a:spcPct val="150000"/>
@@ -6920,16 +7021,27 @@
               </a:lnSpc>
             </a:pPr>
             <a:r>
-              <a:rPr lang="en-US" altLang="zh-TW" dirty="0" smtClean="0"/>
+              <a:rPr lang="en-US" altLang="zh-TW" sz="2400" dirty="0" smtClean="0"/>
               <a:t>Adopt </a:t>
             </a:r>
             <a:r>
+              <a:rPr lang="en-US" altLang="zh-TW" sz="2400" dirty="0"/>
+              <a:t>BLEU-4 score function in NLTK</a:t>
+            </a:r>
+            <a:r>
+              <a:rPr lang="en-US" altLang="zh-TW" sz="2400" dirty="0" smtClean="0"/>
+              <a:t>.</a:t>
+            </a:r>
+          </a:p>
+          <a:p>
+            <a:pPr lvl="1">
+              <a:lnSpc>
+                <a:spcPct val="150000"/>
+              </a:lnSpc>
+            </a:pPr>
+            <a:r>
               <a:rPr lang="en-US" altLang="zh-TW" dirty="0"/>
-              <a:t>BLEU-4 score function in NLTK</a:t>
-            </a:r>
-            <a:r>
-              <a:rPr lang="en-US" altLang="zh-TW" dirty="0" smtClean="0"/>
-              <a:t>.</a:t>
+              <a:t>Average all testing scores</a:t>
             </a:r>
             <a:endParaRPr lang="en-US" altLang="zh-TW" dirty="0"/>
           </a:p>

--- a/Lab2-Sequence-to-Sequence Recurrent Neural Network.pptx
+++ b/Lab2-Sequence-to-Sequence Recurrent Neural Network.pptx
@@ -213,7 +213,7 @@
           <a:p>
             <a:fld id="{301DECB0-F330-4BC6-8C1D-7C75579671AD}" type="datetimeFigureOut">
               <a:rPr lang="zh-TW" altLang="en-US" smtClean="0"/>
-              <a:t>2021/10/27</a:t>
+              <a:t>2021/10/31</a:t>
             </a:fld>
             <a:endParaRPr lang="zh-TW" altLang="en-US"/>
           </a:p>
@@ -753,7 +753,7 @@
           <a:p>
             <a:fld id="{B614463B-6A2E-4895-AE88-B0460F94BA61}" type="datetime1">
               <a:rPr lang="zh-TW" altLang="en-US" smtClean="0"/>
-              <a:t>2021/10/27</a:t>
+              <a:t>2021/10/31</a:t>
             </a:fld>
             <a:endParaRPr lang="zh-TW" altLang="en-US"/>
           </a:p>
@@ -1112,7 +1112,7 @@
           <a:p>
             <a:fld id="{6B794F38-121F-4F5A-A8A6-64D6FCC835F3}" type="datetime1">
               <a:rPr lang="zh-TW" altLang="en-US" smtClean="0"/>
-              <a:t>2021/10/27</a:t>
+              <a:t>2021/10/31</a:t>
             </a:fld>
             <a:endParaRPr lang="zh-TW" altLang="en-US"/>
           </a:p>
@@ -1293,7 +1293,7 @@
           <a:p>
             <a:fld id="{0439B9D7-747F-4692-A449-778117ED6CA7}" type="datetime1">
               <a:rPr lang="zh-TW" altLang="en-US" smtClean="0"/>
-              <a:t>2021/10/27</a:t>
+              <a:t>2021/10/31</a:t>
             </a:fld>
             <a:endParaRPr lang="zh-TW" altLang="en-US"/>
           </a:p>
@@ -1551,7 +1551,7 @@
           <a:p>
             <a:fld id="{2D8E0B3C-FA54-4ADD-96EF-2C6EC913B95C}" type="datetime1">
               <a:rPr lang="zh-TW" altLang="en-US" smtClean="0"/>
-              <a:t>2021/10/27</a:t>
+              <a:t>2021/10/31</a:t>
             </a:fld>
             <a:endParaRPr lang="zh-TW" altLang="en-US"/>
           </a:p>
@@ -1739,7 +1739,7 @@
           <a:p>
             <a:fld id="{50DB23B9-7681-4E73-AD9D-880A5440F673}" type="datetime1">
               <a:rPr lang="zh-TW" altLang="en-US" smtClean="0"/>
-              <a:t>2021/10/27</a:t>
+              <a:t>2021/10/31</a:t>
             </a:fld>
             <a:endParaRPr lang="zh-TW" altLang="en-US" dirty="0"/>
           </a:p>
@@ -2144,7 +2144,7 @@
           <a:p>
             <a:fld id="{BCA3DAFD-8F0A-404D-81FB-17C3407BF488}" type="datetime1">
               <a:rPr lang="zh-TW" altLang="en-US" smtClean="0"/>
-              <a:t>2021/10/27</a:t>
+              <a:t>2021/10/31</a:t>
             </a:fld>
             <a:endParaRPr lang="zh-TW" altLang="en-US"/>
           </a:p>
@@ -2415,7 +2415,7 @@
           <a:p>
             <a:fld id="{E727831A-0651-4C45-A5D5-1A26B0AB06E5}" type="datetime1">
               <a:rPr lang="zh-TW" altLang="en-US" smtClean="0"/>
-              <a:t>2021/10/27</a:t>
+              <a:t>2021/10/31</a:t>
             </a:fld>
             <a:endParaRPr lang="zh-TW" altLang="en-US"/>
           </a:p>
@@ -2783,7 +2783,7 @@
           <a:p>
             <a:fld id="{4C648786-0E4C-47EA-AC9E-EA731507A06D}" type="datetime1">
               <a:rPr lang="zh-TW" altLang="en-US" smtClean="0"/>
-              <a:t>2021/10/27</a:t>
+              <a:t>2021/10/31</a:t>
             </a:fld>
             <a:endParaRPr lang="zh-TW" altLang="en-US"/>
           </a:p>
@@ -3016,7 +3016,7 @@
           <a:p>
             <a:fld id="{A5E67952-B965-4D09-8E86-15FA0D506585}" type="datetime1">
               <a:rPr lang="zh-TW" altLang="en-US" smtClean="0"/>
-              <a:t>2021/10/27</a:t>
+              <a:t>2021/10/31</a:t>
             </a:fld>
             <a:endParaRPr lang="zh-TW" altLang="en-US"/>
           </a:p>
@@ -3112,7 +3112,7 @@
           <a:p>
             <a:fld id="{4CC9FD9E-09FC-48E7-8ADC-E4C2E957C4FB}" type="datetime1">
               <a:rPr lang="zh-TW" altLang="en-US" smtClean="0"/>
-              <a:t>2021/10/27</a:t>
+              <a:t>2021/10/31</a:t>
             </a:fld>
             <a:endParaRPr lang="zh-TW" altLang="en-US"/>
           </a:p>
@@ -3385,7 +3385,7 @@
           <a:p>
             <a:fld id="{BEAD33A4-2665-4B69-A5DC-8FCBE431627A}" type="datetime1">
               <a:rPr lang="zh-TW" altLang="en-US" smtClean="0"/>
-              <a:t>2021/10/27</a:t>
+              <a:t>2021/10/31</a:t>
             </a:fld>
             <a:endParaRPr lang="zh-TW" altLang="en-US"/>
           </a:p>
@@ -3619,7 +3619,7 @@
           <a:p>
             <a:fld id="{067392FE-DE96-47AA-9239-CD196987B051}" type="datetime1">
               <a:rPr lang="zh-TW" altLang="en-US" smtClean="0"/>
-              <a:t>2021/10/27</a:t>
+              <a:t>2021/10/31</a:t>
             </a:fld>
             <a:endParaRPr lang="zh-TW" altLang="en-US"/>
           </a:p>
@@ -4124,7 +4124,7 @@
           <a:p>
             <a:fld id="{DFF19DB1-11A0-463A-B2AA-DBDC8C4B4B55}" type="datetime1">
               <a:rPr lang="zh-TW" altLang="en-US" smtClean="0"/>
-              <a:t>2021/10/27</a:t>
+              <a:t>2021/10/31</a:t>
             </a:fld>
             <a:endParaRPr lang="zh-TW" altLang="en-US"/>
           </a:p>
@@ -5478,17 +5478,12 @@
             </a:r>
             <a:r>
               <a:rPr lang="en-US" altLang="zh-TW" sz="2000" dirty="0"/>
-              <a:t>score testing curve during training. </a:t>
-            </a:r>
-            <a:r>
-              <a:rPr lang="en-US" altLang="zh-TW" sz="2000" dirty="0"/>
-              <a:t>(10</a:t>
+              <a:t>score testing curve during training. (10</a:t>
             </a:r>
             <a:r>
               <a:rPr lang="en-US" altLang="zh-TW" sz="2000" dirty="0" smtClean="0"/>
               <a:t>%)</a:t>
             </a:r>
-            <a:endParaRPr lang="en-US" altLang="zh-TW" sz="2000" dirty="0" smtClean="0"/>
           </a:p>
           <a:p>
             <a:pPr lvl="1">
@@ -6063,6 +6058,11 @@
           </a:bodyPr>
           <a:lstStyle/>
           <a:p>
+            <a:pPr>
+              <a:lnSpc>
+                <a:spcPct val="150000"/>
+              </a:lnSpc>
+            </a:pPr>
             <a:r>
               <a:rPr lang="en-US" altLang="zh-TW" dirty="0"/>
               <a:t>Report Submission Deadline: </a:t>
@@ -6097,13 +6097,24 @@
                   <a:srgbClr val="FF0000"/>
                 </a:solidFill>
               </a:rPr>
-              <a:t>a.m.</a:t>
-            </a:r>
-          </a:p>
-          <a:p>
+              <a:t>a.m</a:t>
+            </a:r>
+            <a:r>
+              <a:rPr lang="en-US" altLang="zh-TW" dirty="0" smtClean="0">
+                <a:solidFill>
+                  <a:srgbClr val="FF0000"/>
+                </a:solidFill>
+              </a:rPr>
+              <a:t>.</a:t>
+            </a:r>
             <a:endParaRPr lang="en-US" altLang="zh-TW" dirty="0"/>
           </a:p>
           <a:p>
+            <a:pPr>
+              <a:lnSpc>
+                <a:spcPct val="150000"/>
+              </a:lnSpc>
+            </a:pPr>
             <a:r>
               <a:rPr lang="en-US" altLang="zh-TW" dirty="0"/>
               <a:t>Demo date: </a:t>
@@ -6119,9 +6130,11 @@
             <a:endParaRPr lang="en-US" altLang="zh-TW" dirty="0"/>
           </a:p>
           <a:p>
-            <a:endParaRPr lang="en-US" altLang="zh-TW" dirty="0"/>
-          </a:p>
-          <a:p>
+            <a:pPr>
+              <a:lnSpc>
+                <a:spcPct val="150000"/>
+              </a:lnSpc>
+            </a:pPr>
             <a:r>
               <a:rPr lang="en-US" altLang="zh-TW" dirty="0"/>
               <a:t>Zip all files into one</a:t>
@@ -6136,23 +6149,38 @@
             </a:r>
           </a:p>
           <a:p>
-            <a:pPr lvl="1"/>
+            <a:pPr lvl="1">
+              <a:lnSpc>
+                <a:spcPct val="150000"/>
+              </a:lnSpc>
+            </a:pPr>
             <a:r>
               <a:rPr lang="en-US" altLang="zh-TW" dirty="0"/>
               <a:t>Report (.pdf)</a:t>
             </a:r>
           </a:p>
           <a:p>
-            <a:pPr lvl="1"/>
+            <a:pPr lvl="1">
+              <a:lnSpc>
+                <a:spcPct val="150000"/>
+              </a:lnSpc>
+            </a:pPr>
             <a:r>
               <a:rPr lang="en-US" altLang="zh-TW" dirty="0"/>
-              <a:t>Source code</a:t>
-            </a:r>
-          </a:p>
-          <a:p>
+              <a:t>Source </a:t>
+            </a:r>
+            <a:r>
+              <a:rPr lang="en-US" altLang="zh-TW" dirty="0" smtClean="0"/>
+              <a:t>code</a:t>
+            </a:r>
             <a:endParaRPr lang="en-US" altLang="zh-TW" dirty="0"/>
           </a:p>
           <a:p>
+            <a:pPr>
+              <a:lnSpc>
+                <a:spcPct val="150000"/>
+              </a:lnSpc>
+            </a:pPr>
             <a:r>
               <a:rPr lang="en-US" altLang="zh-TW" dirty="0"/>
               <a:t>Name it like</a:t>
@@ -6169,6 +6197,28 @@
               <a:rPr lang="zh-TW" altLang="en-US" dirty="0" smtClean="0"/>
               <a:t>」</a:t>
             </a:r>
+            <a:endParaRPr lang="en-US" altLang="zh-TW" dirty="0" smtClean="0"/>
+          </a:p>
+          <a:p>
+            <a:pPr>
+              <a:lnSpc>
+                <a:spcPct val="150000"/>
+              </a:lnSpc>
+            </a:pPr>
+            <a:r>
+              <a:rPr lang="en-US" altLang="zh-TW" dirty="0" smtClean="0"/>
+              <a:t>Email</a:t>
+            </a:r>
+            <a:r>
+              <a:rPr lang="en-US" altLang="zh-TW" smtClean="0"/>
+              <a:t>: hongsheng.cs10g@nctu.edu.tw</a:t>
+            </a:r>
+            <a:endParaRPr lang="en-US" altLang="zh-TW" dirty="0" smtClean="0"/>
+          </a:p>
+          <a:p>
+            <a:endParaRPr lang="en-US" altLang="zh-TW" dirty="0"/>
+          </a:p>
+          <a:p>
             <a:endParaRPr lang="zh-TW" altLang="en-US" dirty="0"/>
           </a:p>
           <a:p>
@@ -6879,7 +6929,6 @@
               <a:rPr lang="en-US" altLang="zh-TW" dirty="0"/>
               <a:t>Using ground truth character instead of the output of the decoder. </a:t>
             </a:r>
-            <a:endParaRPr lang="en-US" altLang="zh-TW" dirty="0"/>
           </a:p>
         </p:txBody>
       </p:sp>
@@ -6997,7 +7046,6 @@
               <a:rPr lang="en-US" altLang="zh-TW" dirty="0" smtClean="0"/>
               <a:t>SGD</a:t>
             </a:r>
-            <a:endParaRPr lang="en-US" altLang="zh-TW" dirty="0" smtClean="0"/>
           </a:p>
           <a:p>
             <a:pPr>
@@ -7021,15 +7069,15 @@
               </a:lnSpc>
             </a:pPr>
             <a:r>
-              <a:rPr lang="en-US" altLang="zh-TW" sz="2400" dirty="0" smtClean="0"/>
+              <a:rPr lang="en-US" altLang="zh-TW" dirty="0" smtClean="0"/>
               <a:t>Adopt </a:t>
             </a:r>
             <a:r>
-              <a:rPr lang="en-US" altLang="zh-TW" sz="2400" dirty="0"/>
+              <a:rPr lang="en-US" altLang="zh-TW" dirty="0"/>
               <a:t>BLEU-4 score function in NLTK</a:t>
             </a:r>
             <a:r>
-              <a:rPr lang="en-US" altLang="zh-TW" sz="2400" dirty="0" smtClean="0"/>
+              <a:rPr lang="en-US" altLang="zh-TW" dirty="0" smtClean="0"/>
               <a:t>.</a:t>
             </a:r>
           </a:p>
@@ -7043,7 +7091,6 @@
               <a:rPr lang="en-US" altLang="zh-TW" dirty="0"/>
               <a:t>Average all testing scores</a:t>
             </a:r>
-            <a:endParaRPr lang="en-US" altLang="zh-TW" dirty="0"/>
           </a:p>
           <a:p>
             <a:endParaRPr lang="zh-TW" altLang="en-US" dirty="0"/>

--- a/Lab2-Sequence-to-Sequence Recurrent Neural Network.pptx
+++ b/Lab2-Sequence-to-Sequence Recurrent Neural Network.pptx
@@ -5029,6 +5029,13 @@
   <p:clrMapOvr>
     <a:masterClrMapping/>
   </p:clrMapOvr>
+  <p:timing>
+    <p:tnLst>
+      <p:par>
+        <p:cTn id="1" dur="indefinite" restart="never" nodeType="tmRoot"/>
+      </p:par>
+    </p:tnLst>
+  </p:timing>
 </p:sld>
 </file>
 
@@ -5981,6 +5988,13 @@
   <p:clrMapOvr>
     <a:masterClrMapping/>
   </p:clrMapOvr>
+  <p:timing>
+    <p:tnLst>
+      <p:par>
+        <p:cTn id="1" dur="indefinite" restart="never" nodeType="tmRoot"/>
+      </p:par>
+    </p:tnLst>
+  </p:timing>
 </p:sld>
 </file>
 
@@ -6207,13 +6221,8 @@
             </a:pPr>
             <a:r>
               <a:rPr lang="en-US" altLang="zh-TW" dirty="0" smtClean="0"/>
-              <a:t>Email</a:t>
-            </a:r>
-            <a:r>
-              <a:rPr lang="en-US" altLang="zh-TW" smtClean="0"/>
-              <a:t>: hongsheng.cs10g@nctu.edu.tw</a:t>
-            </a:r>
-            <a:endParaRPr lang="en-US" altLang="zh-TW" dirty="0" smtClean="0"/>
+              <a:t>Email: hongsheng.cs10g@nctu.edu.tw</a:t>
+            </a:r>
           </a:p>
           <a:p>
             <a:endParaRPr lang="en-US" altLang="zh-TW" dirty="0"/>
@@ -6236,6 +6245,13 @@
   <p:clrMapOvr>
     <a:masterClrMapping/>
   </p:clrMapOvr>
+  <p:timing>
+    <p:tnLst>
+      <p:par>
+        <p:cTn id="1" dur="indefinite" restart="never" nodeType="tmRoot"/>
+      </p:par>
+    </p:tnLst>
+  </p:timing>
 </p:sld>
 </file>
 
@@ -6395,6 +6411,13 @@
   <p:clrMapOvr>
     <a:masterClrMapping/>
   </p:clrMapOvr>
+  <p:timing>
+    <p:tnLst>
+      <p:par>
+        <p:cTn id="1" dur="indefinite" restart="never" nodeType="tmRoot"/>
+      </p:par>
+    </p:tnLst>
+  </p:timing>
 </p:sld>
 </file>
 
@@ -6523,6 +6546,13 @@
   <p:clrMapOvr>
     <a:masterClrMapping/>
   </p:clrMapOvr>
+  <p:timing>
+    <p:tnLst>
+      <p:par>
+        <p:cTn id="1" dur="indefinite" restart="never" nodeType="tmRoot"/>
+      </p:par>
+    </p:tnLst>
+  </p:timing>
 </p:sld>
 </file>
 
@@ -6619,26 +6649,37 @@
       </p:sp>
       <p:pic>
         <p:nvPicPr>
-          <p:cNvPr id="4" name="圖片 3"/>
-          <p:cNvPicPr>
+          <p:cNvPr id="6" name="Google Shape;197;p6">
+            <a:extLst>
+              <a:ext uri="{FF2B5EF4-FFF2-40B4-BE49-F238E27FC236}">
+                <a16:creationId xmlns:a16="http://schemas.microsoft.com/office/drawing/2014/main" id="{7017DE06-E99A-4F05-ABB0-FDF75EB8CD5E}"/>
+              </a:ext>
+            </a:extLst>
+          </p:cNvPr>
+          <p:cNvPicPr preferRelativeResize="0">
             <a:picLocks noChangeAspect="1"/>
           </p:cNvPicPr>
           <p:nvPr/>
         </p:nvPicPr>
-        <p:blipFill>
-          <a:blip r:embed="rId3"/>
-          <a:stretch>
-            <a:fillRect/>
-          </a:stretch>
+        <p:blipFill rotWithShape="1">
+          <a:blip r:embed="rId3">
+            <a:alphaModFix/>
+          </a:blip>
+          <a:srcRect b="54979"/>
+          <a:stretch/>
         </p:blipFill>
         <p:spPr>
           <a:xfrm>
-            <a:off x="1196433" y="2493169"/>
-            <a:ext cx="10299567" cy="3295072"/>
+            <a:off x="1792728" y="2664620"/>
+            <a:ext cx="8963710" cy="2724006"/>
           </a:xfrm>
           <a:prstGeom prst="rect">
             <a:avLst/>
           </a:prstGeom>
+          <a:noFill/>
+          <a:ln>
+            <a:noFill/>
+          </a:ln>
         </p:spPr>
       </p:pic>
     </p:spTree>
@@ -6651,6 +6692,13 @@
   <p:clrMapOvr>
     <a:masterClrMapping/>
   </p:clrMapOvr>
+  <p:timing>
+    <p:tnLst>
+      <p:par>
+        <p:cTn id="1" dur="indefinite" restart="never" nodeType="tmRoot"/>
+      </p:par>
+    </p:tnLst>
+  </p:timing>
 </p:sld>
 </file>
 
@@ -6815,6 +6863,13 @@
   <p:clrMapOvr>
     <a:masterClrMapping/>
   </p:clrMapOvr>
+  <p:timing>
+    <p:tnLst>
+      <p:par>
+        <p:cTn id="1" dur="indefinite" restart="never" nodeType="tmRoot"/>
+      </p:par>
+    </p:tnLst>
+  </p:timing>
 </p:sld>
 </file>
 

--- a/Lab2-Sequence-to-Sequence Recurrent Neural Network.pptx
+++ b/Lab2-Sequence-to-Sequence Recurrent Neural Network.pptx
@@ -5,7 +5,7 @@
     <p:sldMasterId id="2147483672" r:id="rId1"/>
   </p:sldMasterIdLst>
   <p:notesMasterIdLst>
-    <p:notesMasterId r:id="rId16"/>
+    <p:notesMasterId r:id="rId15"/>
   </p:notesMasterIdLst>
   <p:sldIdLst>
     <p:sldId id="258" r:id="rId2"/>
@@ -17,11 +17,10 @@
     <p:sldId id="378" r:id="rId8"/>
     <p:sldId id="380" r:id="rId9"/>
     <p:sldId id="368" r:id="rId10"/>
-    <p:sldId id="379" r:id="rId11"/>
-    <p:sldId id="370" r:id="rId12"/>
-    <p:sldId id="373" r:id="rId13"/>
-    <p:sldId id="375" r:id="rId14"/>
-    <p:sldId id="376" r:id="rId15"/>
+    <p:sldId id="370" r:id="rId11"/>
+    <p:sldId id="373" r:id="rId12"/>
+    <p:sldId id="375" r:id="rId13"/>
+    <p:sldId id="376" r:id="rId14"/>
   </p:sldIdLst>
   <p:sldSz cx="12192000" cy="6858000"/>
   <p:notesSz cx="6858000" cy="9144000"/>
@@ -213,7 +212,7 @@
           <a:p>
             <a:fld id="{301DECB0-F330-4BC6-8C1D-7C75579671AD}" type="datetimeFigureOut">
               <a:rPr lang="zh-TW" altLang="en-US" smtClean="0"/>
-              <a:t>2021/10/31</a:t>
+              <a:t>2021/11/3</a:t>
             </a:fld>
             <a:endParaRPr lang="zh-TW" altLang="en-US"/>
           </a:p>
@@ -753,7 +752,7 @@
           <a:p>
             <a:fld id="{B614463B-6A2E-4895-AE88-B0460F94BA61}" type="datetime1">
               <a:rPr lang="zh-TW" altLang="en-US" smtClean="0"/>
-              <a:t>2021/10/31</a:t>
+              <a:t>2021/11/3</a:t>
             </a:fld>
             <a:endParaRPr lang="zh-TW" altLang="en-US"/>
           </a:p>
@@ -1112,7 +1111,7 @@
           <a:p>
             <a:fld id="{6B794F38-121F-4F5A-A8A6-64D6FCC835F3}" type="datetime1">
               <a:rPr lang="zh-TW" altLang="en-US" smtClean="0"/>
-              <a:t>2021/10/31</a:t>
+              <a:t>2021/11/3</a:t>
             </a:fld>
             <a:endParaRPr lang="zh-TW" altLang="en-US"/>
           </a:p>
@@ -1293,7 +1292,7 @@
           <a:p>
             <a:fld id="{0439B9D7-747F-4692-A449-778117ED6CA7}" type="datetime1">
               <a:rPr lang="zh-TW" altLang="en-US" smtClean="0"/>
-              <a:t>2021/10/31</a:t>
+              <a:t>2021/11/3</a:t>
             </a:fld>
             <a:endParaRPr lang="zh-TW" altLang="en-US"/>
           </a:p>
@@ -1551,7 +1550,7 @@
           <a:p>
             <a:fld id="{2D8E0B3C-FA54-4ADD-96EF-2C6EC913B95C}" type="datetime1">
               <a:rPr lang="zh-TW" altLang="en-US" smtClean="0"/>
-              <a:t>2021/10/31</a:t>
+              <a:t>2021/11/3</a:t>
             </a:fld>
             <a:endParaRPr lang="zh-TW" altLang="en-US"/>
           </a:p>
@@ -1739,7 +1738,7 @@
           <a:p>
             <a:fld id="{50DB23B9-7681-4E73-AD9D-880A5440F673}" type="datetime1">
               <a:rPr lang="zh-TW" altLang="en-US" smtClean="0"/>
-              <a:t>2021/10/31</a:t>
+              <a:t>2021/11/3</a:t>
             </a:fld>
             <a:endParaRPr lang="zh-TW" altLang="en-US" dirty="0"/>
           </a:p>
@@ -2144,7 +2143,7 @@
           <a:p>
             <a:fld id="{BCA3DAFD-8F0A-404D-81FB-17C3407BF488}" type="datetime1">
               <a:rPr lang="zh-TW" altLang="en-US" smtClean="0"/>
-              <a:t>2021/10/31</a:t>
+              <a:t>2021/11/3</a:t>
             </a:fld>
             <a:endParaRPr lang="zh-TW" altLang="en-US"/>
           </a:p>
@@ -2415,7 +2414,7 @@
           <a:p>
             <a:fld id="{E727831A-0651-4C45-A5D5-1A26B0AB06E5}" type="datetime1">
               <a:rPr lang="zh-TW" altLang="en-US" smtClean="0"/>
-              <a:t>2021/10/31</a:t>
+              <a:t>2021/11/3</a:t>
             </a:fld>
             <a:endParaRPr lang="zh-TW" altLang="en-US"/>
           </a:p>
@@ -2783,7 +2782,7 @@
           <a:p>
             <a:fld id="{4C648786-0E4C-47EA-AC9E-EA731507A06D}" type="datetime1">
               <a:rPr lang="zh-TW" altLang="en-US" smtClean="0"/>
-              <a:t>2021/10/31</a:t>
+              <a:t>2021/11/3</a:t>
             </a:fld>
             <a:endParaRPr lang="zh-TW" altLang="en-US"/>
           </a:p>
@@ -3016,7 +3015,7 @@
           <a:p>
             <a:fld id="{A5E67952-B965-4D09-8E86-15FA0D506585}" type="datetime1">
               <a:rPr lang="zh-TW" altLang="en-US" smtClean="0"/>
-              <a:t>2021/10/31</a:t>
+              <a:t>2021/11/3</a:t>
             </a:fld>
             <a:endParaRPr lang="zh-TW" altLang="en-US"/>
           </a:p>
@@ -3112,7 +3111,7 @@
           <a:p>
             <a:fld id="{4CC9FD9E-09FC-48E7-8ADC-E4C2E957C4FB}" type="datetime1">
               <a:rPr lang="zh-TW" altLang="en-US" smtClean="0"/>
-              <a:t>2021/10/31</a:t>
+              <a:t>2021/11/3</a:t>
             </a:fld>
             <a:endParaRPr lang="zh-TW" altLang="en-US"/>
           </a:p>
@@ -3385,7 +3384,7 @@
           <a:p>
             <a:fld id="{BEAD33A4-2665-4B69-A5DC-8FCBE431627A}" type="datetime1">
               <a:rPr lang="zh-TW" altLang="en-US" smtClean="0"/>
-              <a:t>2021/10/31</a:t>
+              <a:t>2021/11/3</a:t>
             </a:fld>
             <a:endParaRPr lang="zh-TW" altLang="en-US"/>
           </a:p>
@@ -3619,7 +3618,7 @@
           <a:p>
             <a:fld id="{067392FE-DE96-47AA-9239-CD196987B051}" type="datetime1">
               <a:rPr lang="zh-TW" altLang="en-US" smtClean="0"/>
-              <a:t>2021/10/31</a:t>
+              <a:t>2021/11/3</a:t>
             </a:fld>
             <a:endParaRPr lang="zh-TW" altLang="en-US"/>
           </a:p>
@@ -4124,7 +4123,7 @@
           <a:p>
             <a:fld id="{DFF19DB1-11A0-463A-B2AA-DBDC8C4B4B55}" type="datetime1">
               <a:rPr lang="zh-TW" altLang="en-US" smtClean="0"/>
-              <a:t>2021/10/31</a:t>
+              <a:t>2021/11/3</a:t>
             </a:fld>
             <a:endParaRPr lang="zh-TW" altLang="en-US"/>
           </a:p>
@@ -5058,7 +5057,13 @@
       </p:grpSpPr>
       <p:sp>
         <p:nvSpPr>
-          <p:cNvPr id="2" name="標題 1"/>
+          <p:cNvPr id="2" name="標題 1">
+            <a:extLst>
+              <a:ext uri="{FF2B5EF4-FFF2-40B4-BE49-F238E27FC236}">
+                <a16:creationId xmlns:a16="http://schemas.microsoft.com/office/drawing/2014/main" id="{D8FCF71E-6C2E-40BD-A658-90DD151F2FFA}"/>
+              </a:ext>
+            </a:extLst>
+          </p:cNvPr>
           <p:cNvSpPr>
             <a:spLocks noGrp="1"/>
           </p:cNvSpPr>
@@ -5068,51 +5073,129 @@
         </p:nvSpPr>
         <p:spPr/>
         <p:txBody>
-          <a:bodyPr/>
+          <a:bodyPr>
+            <a:normAutofit/>
+          </a:bodyPr>
           <a:lstStyle/>
           <a:p>
             <a:r>
               <a:rPr lang="en-US" altLang="zh-TW" dirty="0"/>
-              <a:t>Dataset </a:t>
-            </a:r>
-            <a:r>
-              <a:rPr lang="en-US" altLang="zh-TW" dirty="0" smtClean="0"/>
-              <a:t>Description</a:t>
+              <a:t>Lab Description – Requirements</a:t>
             </a:r>
             <a:endParaRPr lang="zh-TW" altLang="en-US" dirty="0"/>
           </a:p>
         </p:txBody>
       </p:sp>
-      <p:pic>
-        <p:nvPicPr>
-          <p:cNvPr id="4" name="內容版面配置區 3"/>
-          <p:cNvPicPr>
-            <a:picLocks noGrp="1" noChangeAspect="1"/>
-          </p:cNvPicPr>
+      <p:sp>
+        <p:nvSpPr>
+          <p:cNvPr id="3" name="內容版面配置區 2">
+            <a:extLst>
+              <a:ext uri="{FF2B5EF4-FFF2-40B4-BE49-F238E27FC236}">
+                <a16:creationId xmlns:a16="http://schemas.microsoft.com/office/drawing/2014/main" id="{E41085A0-607E-4F63-ACF9-FF235DD3B070}"/>
+              </a:ext>
+            </a:extLst>
+          </p:cNvPr>
+          <p:cNvSpPr>
+            <a:spLocks noGrp="1"/>
+          </p:cNvSpPr>
           <p:nvPr>
             <p:ph sz="quarter" idx="1"/>
           </p:nvPr>
-        </p:nvPicPr>
-        <p:blipFill>
-          <a:blip r:embed="rId2"/>
-          <a:stretch>
-            <a:fillRect/>
-          </a:stretch>
-        </p:blipFill>
+        </p:nvSpPr>
         <p:spPr>
           <a:xfrm>
-            <a:off x="3200024" y="2340525"/>
-            <a:ext cx="5658226" cy="3658854"/>
+            <a:off x="695999" y="1447800"/>
+            <a:ext cx="11327835" cy="4572000"/>
           </a:xfrm>
-          <a:prstGeom prst="rect">
-            <a:avLst/>
-          </a:prstGeom>
         </p:spPr>
-      </p:pic>
+        <p:txBody>
+          <a:bodyPr/>
+          <a:lstStyle/>
+          <a:p>
+            <a:pPr>
+              <a:lnSpc>
+                <a:spcPct val="150000"/>
+              </a:lnSpc>
+            </a:pPr>
+            <a:r>
+              <a:rPr lang="en-US" altLang="zh-TW" dirty="0"/>
+              <a:t>Modify encoder, decoder, and training functions</a:t>
+            </a:r>
+          </a:p>
+          <a:p>
+            <a:pPr>
+              <a:lnSpc>
+                <a:spcPct val="150000"/>
+              </a:lnSpc>
+            </a:pPr>
+            <a:r>
+              <a:rPr lang="en-US" altLang="zh-TW" dirty="0"/>
+              <a:t>Implement </a:t>
+            </a:r>
+            <a:r>
+              <a:rPr lang="en-US" altLang="zh-TW" dirty="0" smtClean="0"/>
+              <a:t>dataloader</a:t>
+            </a:r>
+            <a:r>
+              <a:rPr lang="en-US" altLang="zh-TW" dirty="0"/>
+              <a:t> </a:t>
+            </a:r>
+            <a:r>
+              <a:rPr lang="en-US" altLang="zh-TW" dirty="0" smtClean="0"/>
+              <a:t>and GRU.</a:t>
+            </a:r>
+            <a:endParaRPr lang="en-US" altLang="zh-TW" dirty="0"/>
+          </a:p>
+          <a:p>
+            <a:pPr>
+              <a:lnSpc>
+                <a:spcPct val="150000"/>
+              </a:lnSpc>
+            </a:pPr>
+            <a:r>
+              <a:rPr lang="en-US" altLang="zh-TW" dirty="0"/>
+              <a:t>Adopt teacher-forcing </a:t>
+            </a:r>
+            <a:r>
+              <a:rPr lang="en-US" altLang="zh-TW" dirty="0" smtClean="0"/>
+              <a:t>in </a:t>
+            </a:r>
+            <a:r>
+              <a:rPr lang="en-US" altLang="zh-TW" dirty="0"/>
+              <a:t>your training processing. </a:t>
+            </a:r>
+          </a:p>
+          <a:p>
+            <a:pPr>
+              <a:lnSpc>
+                <a:spcPct val="150000"/>
+              </a:lnSpc>
+            </a:pPr>
+            <a:r>
+              <a:rPr lang="en-US" altLang="zh-TW" dirty="0"/>
+              <a:t>Plot the </a:t>
+            </a:r>
+            <a:r>
+              <a:rPr lang="en-US" altLang="zh-TW" dirty="0" err="1"/>
+              <a:t>crossentropy</a:t>
+            </a:r>
+            <a:r>
+              <a:rPr lang="en-US" altLang="zh-TW" dirty="0"/>
+              <a:t> loss and BLEU-4 score curve during training.</a:t>
+            </a:r>
+          </a:p>
+          <a:p>
+            <a:endParaRPr lang="en-US" altLang="zh-TW" dirty="0"/>
+          </a:p>
+          <a:p>
+            <a:endParaRPr lang="zh-TW" altLang="en-US" dirty="0"/>
+          </a:p>
+        </p:txBody>
+      </p:sp>
     </p:spTree>
     <p:extLst>
       <p:ext uri="{BB962C8B-B14F-4D97-AF65-F5344CB8AC3E}">
-        <p14:creationId xmlns:p14="http://schemas.microsoft.com/office/powerpoint/2010/main" val="2346786038"/>
+        <p14:creationId xmlns:p14="http://schemas.microsoft.com/office/powerpoint/2010/main" val="40720017"/>
       </p:ext>
     </p:extLst>
   </p:cSld>
@@ -5144,7 +5227,7 @@
           <p:cNvPr id="2" name="標題 1">
             <a:extLst>
               <a:ext uri="{FF2B5EF4-FFF2-40B4-BE49-F238E27FC236}">
-                <a16:creationId xmlns:a16="http://schemas.microsoft.com/office/drawing/2014/main" id="{D8FCF71E-6C2E-40BD-A658-90DD151F2FFA}"/>
+                <a16:creationId xmlns:a16="http://schemas.microsoft.com/office/drawing/2014/main" id="{60AD78DC-88E8-4A67-8206-56EAD6388381}"/>
               </a:ext>
             </a:extLst>
           </p:cNvPr>
@@ -5164,7 +5247,15 @@
           <a:p>
             <a:r>
               <a:rPr lang="en-US" altLang="zh-TW" dirty="0"/>
-              <a:t>Lab Description – Requirements</a:t>
+              <a:t>Scoring Criteria - Report </a:t>
+            </a:r>
+            <a:r>
+              <a:rPr lang="en-US" altLang="zh-TW" dirty="0" smtClean="0"/>
+              <a:t>(60</a:t>
+            </a:r>
+            <a:r>
+              <a:rPr lang="en-US" altLang="zh-TW" dirty="0"/>
+              <a:t>%) </a:t>
             </a:r>
             <a:endParaRPr lang="zh-TW" altLang="en-US" dirty="0"/>
           </a:p>
@@ -5175,7 +5266,7 @@
           <p:cNvPr id="3" name="內容版面配置區 2">
             <a:extLst>
               <a:ext uri="{FF2B5EF4-FFF2-40B4-BE49-F238E27FC236}">
-                <a16:creationId xmlns:a16="http://schemas.microsoft.com/office/drawing/2014/main" id="{E41085A0-607E-4F63-ACF9-FF235DD3B070}"/>
+                <a16:creationId xmlns:a16="http://schemas.microsoft.com/office/drawing/2014/main" id="{7467036A-63EF-42F6-9574-CC8FA4C1B9BF}"/>
               </a:ext>
             </a:extLst>
           </p:cNvPr>
@@ -5188,12 +5279,14 @@
         </p:nvSpPr>
         <p:spPr>
           <a:xfrm>
-            <a:off x="695999" y="1447800"/>
-            <a:ext cx="11327835" cy="4572000"/>
+            <a:off x="696000" y="1447800"/>
+            <a:ext cx="11327834" cy="5410200"/>
           </a:xfrm>
         </p:spPr>
         <p:txBody>
-          <a:bodyPr/>
+          <a:bodyPr>
+            <a:normAutofit lnSpcReduction="10000"/>
+          </a:bodyPr>
           <a:lstStyle/>
           <a:p>
             <a:pPr>
@@ -5202,8 +5295,8 @@
               </a:lnSpc>
             </a:pPr>
             <a:r>
-              <a:rPr lang="en-US" altLang="zh-TW" dirty="0"/>
-              <a:t>Modify encoder, decoder, and training functions</a:t>
+              <a:rPr lang="en-US" altLang="zh-TW" sz="2400" dirty="0"/>
+              <a:t>Introduction(5%)</a:t>
             </a:r>
           </a:p>
           <a:p>
@@ -5213,22 +5306,14 @@
               </a:lnSpc>
             </a:pPr>
             <a:r>
-              <a:rPr lang="en-US" altLang="zh-TW" dirty="0"/>
-              <a:t>Implement </a:t>
-            </a:r>
-            <a:r>
-              <a:rPr lang="en-US" altLang="zh-TW" dirty="0" smtClean="0"/>
-              <a:t>dataloader</a:t>
-            </a:r>
-            <a:r>
-              <a:rPr lang="en-US" altLang="zh-TW" dirty="0"/>
-              <a:t> </a:t>
-            </a:r>
-            <a:r>
-              <a:rPr lang="en-US" altLang="zh-TW" dirty="0" smtClean="0"/>
-              <a:t>and GRU.</a:t>
-            </a:r>
-            <a:endParaRPr lang="en-US" altLang="zh-TW" dirty="0"/>
+              <a:rPr lang="en-US" altLang="zh-TW" sz="2400" dirty="0"/>
+              <a:t>Derivation of </a:t>
+            </a:r>
+            <a:r>
+              <a:rPr lang="en-US" altLang="zh-TW" sz="2400" dirty="0" smtClean="0"/>
+              <a:t>BPTT(5%)</a:t>
+            </a:r>
+            <a:endParaRPr lang="en-US" altLang="zh-TW" sz="2400" dirty="0"/>
           </a:p>
           <a:p>
             <a:pPr>
@@ -5237,17 +5322,57 @@
               </a:lnSpc>
             </a:pPr>
             <a:r>
-              <a:rPr lang="en-US" altLang="zh-TW" dirty="0"/>
-              <a:t>Adopt teacher-forcing </a:t>
-            </a:r>
-            <a:r>
-              <a:rPr lang="en-US" altLang="zh-TW" dirty="0" smtClean="0"/>
-              <a:t>in </a:t>
-            </a:r>
-            <a:r>
-              <a:rPr lang="en-US" altLang="zh-TW" dirty="0"/>
-              <a:t>your training processing. </a:t>
-            </a:r>
+              <a:rPr lang="en-US" altLang="zh-TW" sz="2400" dirty="0"/>
+              <a:t>Implementation </a:t>
+            </a:r>
+            <a:r>
+              <a:rPr lang="en-US" altLang="zh-TW" sz="2400" dirty="0" smtClean="0"/>
+              <a:t>details(30%) </a:t>
+            </a:r>
+            <a:endParaRPr lang="en-US" altLang="zh-TW" sz="2400" dirty="0"/>
+          </a:p>
+          <a:p>
+            <a:pPr lvl="1">
+              <a:lnSpc>
+                <a:spcPct val="150000"/>
+              </a:lnSpc>
+            </a:pPr>
+            <a:r>
+              <a:rPr lang="en-US" altLang="zh-TW" sz="2000" dirty="0"/>
+              <a:t>Describe how you implement your model. (e.g. dataloader, encoder, decoder, </a:t>
+            </a:r>
+            <a:r>
+              <a:rPr lang="en-US" altLang="zh-TW" sz="2000" dirty="0" err="1"/>
+              <a:t>etc</a:t>
+            </a:r>
+            <a:r>
+              <a:rPr lang="en-US" altLang="zh-TW" sz="2000" dirty="0" smtClean="0"/>
+              <a:t>)</a:t>
+            </a:r>
+          </a:p>
+          <a:p>
+            <a:pPr lvl="1">
+              <a:lnSpc>
+                <a:spcPct val="150000"/>
+              </a:lnSpc>
+            </a:pPr>
+            <a:r>
+              <a:rPr lang="en-US" altLang="zh-TW" sz="2000" dirty="0" smtClean="0"/>
+              <a:t>You must screen shot the code of evaluation part to prove that you do not use ground truth while testing, </a:t>
+            </a:r>
+            <a:r>
+              <a:rPr lang="en-US" altLang="zh-TW" sz="2000" dirty="0" smtClean="0">
+                <a:solidFill>
+                  <a:srgbClr val="FF0000"/>
+                </a:solidFill>
+              </a:rPr>
+              <a:t>otherwise you will get no point at this part.</a:t>
+            </a:r>
+            <a:endParaRPr lang="en-US" altLang="zh-TW" sz="2000" dirty="0">
+              <a:solidFill>
+                <a:srgbClr val="FF0000"/>
+              </a:solidFill>
+            </a:endParaRPr>
           </a:p>
           <a:p>
             <a:pPr>
@@ -5256,30 +5381,75 @@
               </a:lnSpc>
             </a:pPr>
             <a:r>
-              <a:rPr lang="en-US" altLang="zh-TW" dirty="0"/>
-              <a:t>Plot the </a:t>
-            </a:r>
-            <a:r>
-              <a:rPr lang="en-US" altLang="zh-TW" dirty="0" err="1"/>
-              <a:t>crossentropy</a:t>
-            </a:r>
-            <a:r>
-              <a:rPr lang="en-US" altLang="zh-TW" dirty="0"/>
-              <a:t> loss and BLEU-4 score curve during training.</a:t>
-            </a:r>
-          </a:p>
-          <a:p>
-            <a:endParaRPr lang="en-US" altLang="zh-TW" dirty="0"/>
-          </a:p>
-          <a:p>
-            <a:endParaRPr lang="zh-TW" altLang="en-US" dirty="0"/>
+              <a:rPr lang="en-US" altLang="zh-TW" sz="2400" dirty="0" smtClean="0"/>
+              <a:t>Results and discussion(20%)</a:t>
+            </a:r>
+          </a:p>
+          <a:p>
+            <a:pPr lvl="1">
+              <a:lnSpc>
+                <a:spcPct val="150000"/>
+              </a:lnSpc>
+            </a:pPr>
+            <a:r>
+              <a:rPr lang="en-US" altLang="zh-TW" sz="2000" dirty="0"/>
+              <a:t>Show your results of spelling correction and plot the training loss curve and </a:t>
+            </a:r>
+            <a:r>
+              <a:rPr lang="en-US" altLang="zh-TW" sz="2000" dirty="0" smtClean="0"/>
+              <a:t>BLUE-4 </a:t>
+            </a:r>
+            <a:r>
+              <a:rPr lang="en-US" altLang="zh-TW" sz="2000" dirty="0"/>
+              <a:t>score testing curve during training. (10</a:t>
+            </a:r>
+            <a:r>
+              <a:rPr lang="en-US" altLang="zh-TW" sz="2000" dirty="0" smtClean="0"/>
+              <a:t>%)</a:t>
+            </a:r>
+          </a:p>
+          <a:p>
+            <a:pPr lvl="1">
+              <a:lnSpc>
+                <a:spcPct val="150000"/>
+              </a:lnSpc>
+            </a:pPr>
+            <a:r>
+              <a:rPr lang="en-US" altLang="zh-TW" sz="2000" dirty="0"/>
+              <a:t>Discuss your results or </a:t>
+            </a:r>
+            <a:r>
+              <a:rPr lang="en-US" altLang="zh-TW" sz="2000" dirty="0" smtClean="0"/>
+              <a:t>observation </a:t>
+            </a:r>
+            <a:r>
+              <a:rPr lang="en-US" altLang="zh-TW" sz="2000" dirty="0"/>
+              <a:t>based on your model design or </a:t>
+            </a:r>
+            <a:r>
+              <a:rPr lang="en-US" altLang="zh-TW" sz="2000" dirty="0" smtClean="0"/>
+              <a:t>experimental settings</a:t>
+            </a:r>
+            <a:r>
+              <a:rPr lang="en-US" altLang="zh-TW" sz="2000" dirty="0"/>
+              <a:t>. (10%)</a:t>
+            </a:r>
+            <a:endParaRPr lang="zh-TW" altLang="zh-TW" sz="2000" dirty="0"/>
+          </a:p>
+          <a:p>
+            <a:pPr lvl="1">
+              <a:lnSpc>
+                <a:spcPct val="150000"/>
+              </a:lnSpc>
+            </a:pPr>
+            <a:endParaRPr lang="zh-TW" altLang="en-US" sz="2000" dirty="0"/>
           </a:p>
         </p:txBody>
       </p:sp>
     </p:spTree>
     <p:extLst>
       <p:ext uri="{BB962C8B-B14F-4D97-AF65-F5344CB8AC3E}">
-        <p14:creationId xmlns:p14="http://schemas.microsoft.com/office/powerpoint/2010/main" val="40720017"/>
+        <p14:creationId xmlns:p14="http://schemas.microsoft.com/office/powerpoint/2010/main" val="3738299597"/>
       </p:ext>
     </p:extLst>
   </p:cSld>
@@ -5311,260 +5481,6 @@
           <p:cNvPr id="2" name="標題 1">
             <a:extLst>
               <a:ext uri="{FF2B5EF4-FFF2-40B4-BE49-F238E27FC236}">
-                <a16:creationId xmlns:a16="http://schemas.microsoft.com/office/drawing/2014/main" id="{60AD78DC-88E8-4A67-8206-56EAD6388381}"/>
-              </a:ext>
-            </a:extLst>
-          </p:cNvPr>
-          <p:cNvSpPr>
-            <a:spLocks noGrp="1"/>
-          </p:cNvSpPr>
-          <p:nvPr>
-            <p:ph type="title"/>
-          </p:nvPr>
-        </p:nvSpPr>
-        <p:spPr/>
-        <p:txBody>
-          <a:bodyPr>
-            <a:normAutofit/>
-          </a:bodyPr>
-          <a:lstStyle/>
-          <a:p>
-            <a:r>
-              <a:rPr lang="en-US" altLang="zh-TW" dirty="0"/>
-              <a:t>Scoring Criteria - Report </a:t>
-            </a:r>
-            <a:r>
-              <a:rPr lang="en-US" altLang="zh-TW" dirty="0" smtClean="0"/>
-              <a:t>(60</a:t>
-            </a:r>
-            <a:r>
-              <a:rPr lang="en-US" altLang="zh-TW" dirty="0"/>
-              <a:t>%) </a:t>
-            </a:r>
-            <a:endParaRPr lang="zh-TW" altLang="en-US" dirty="0"/>
-          </a:p>
-        </p:txBody>
-      </p:sp>
-      <p:sp>
-        <p:nvSpPr>
-          <p:cNvPr id="3" name="內容版面配置區 2">
-            <a:extLst>
-              <a:ext uri="{FF2B5EF4-FFF2-40B4-BE49-F238E27FC236}">
-                <a16:creationId xmlns:a16="http://schemas.microsoft.com/office/drawing/2014/main" id="{7467036A-63EF-42F6-9574-CC8FA4C1B9BF}"/>
-              </a:ext>
-            </a:extLst>
-          </p:cNvPr>
-          <p:cNvSpPr>
-            <a:spLocks noGrp="1"/>
-          </p:cNvSpPr>
-          <p:nvPr>
-            <p:ph sz="quarter" idx="1"/>
-          </p:nvPr>
-        </p:nvSpPr>
-        <p:spPr>
-          <a:xfrm>
-            <a:off x="696000" y="1447800"/>
-            <a:ext cx="11327834" cy="5410200"/>
-          </a:xfrm>
-        </p:spPr>
-        <p:txBody>
-          <a:bodyPr>
-            <a:normAutofit lnSpcReduction="10000"/>
-          </a:bodyPr>
-          <a:lstStyle/>
-          <a:p>
-            <a:pPr>
-              <a:lnSpc>
-                <a:spcPct val="150000"/>
-              </a:lnSpc>
-            </a:pPr>
-            <a:r>
-              <a:rPr lang="en-US" altLang="zh-TW" sz="2400" dirty="0"/>
-              <a:t>Introduction(5%)</a:t>
-            </a:r>
-          </a:p>
-          <a:p>
-            <a:pPr>
-              <a:lnSpc>
-                <a:spcPct val="150000"/>
-              </a:lnSpc>
-            </a:pPr>
-            <a:r>
-              <a:rPr lang="en-US" altLang="zh-TW" sz="2400" dirty="0"/>
-              <a:t>Derivation of </a:t>
-            </a:r>
-            <a:r>
-              <a:rPr lang="en-US" altLang="zh-TW" sz="2400" dirty="0" smtClean="0"/>
-              <a:t>BPTT(5%)</a:t>
-            </a:r>
-            <a:endParaRPr lang="en-US" altLang="zh-TW" sz="2400" dirty="0"/>
-          </a:p>
-          <a:p>
-            <a:pPr>
-              <a:lnSpc>
-                <a:spcPct val="150000"/>
-              </a:lnSpc>
-            </a:pPr>
-            <a:r>
-              <a:rPr lang="en-US" altLang="zh-TW" sz="2400" dirty="0"/>
-              <a:t>Implementation </a:t>
-            </a:r>
-            <a:r>
-              <a:rPr lang="en-US" altLang="zh-TW" sz="2400" dirty="0" smtClean="0"/>
-              <a:t>details(30%) </a:t>
-            </a:r>
-            <a:endParaRPr lang="en-US" altLang="zh-TW" sz="2400" dirty="0"/>
-          </a:p>
-          <a:p>
-            <a:pPr lvl="1">
-              <a:lnSpc>
-                <a:spcPct val="150000"/>
-              </a:lnSpc>
-            </a:pPr>
-            <a:r>
-              <a:rPr lang="en-US" altLang="zh-TW" sz="2000" dirty="0"/>
-              <a:t>Describe how you implement your model. (e.g. dataloader, encoder, decoder, </a:t>
-            </a:r>
-            <a:r>
-              <a:rPr lang="en-US" altLang="zh-TW" sz="2000" dirty="0" err="1"/>
-              <a:t>etc</a:t>
-            </a:r>
-            <a:r>
-              <a:rPr lang="en-US" altLang="zh-TW" sz="2000" dirty="0" smtClean="0"/>
-              <a:t>)</a:t>
-            </a:r>
-          </a:p>
-          <a:p>
-            <a:pPr lvl="1">
-              <a:lnSpc>
-                <a:spcPct val="150000"/>
-              </a:lnSpc>
-            </a:pPr>
-            <a:r>
-              <a:rPr lang="en-US" altLang="zh-TW" sz="2000" dirty="0" smtClean="0"/>
-              <a:t>You must screen shot the code of evaluation part to prove that you do not use ground truth while testing, </a:t>
-            </a:r>
-            <a:r>
-              <a:rPr lang="en-US" altLang="zh-TW" sz="2000" dirty="0" smtClean="0">
-                <a:solidFill>
-                  <a:srgbClr val="FF0000"/>
-                </a:solidFill>
-              </a:rPr>
-              <a:t>otherwise you will get no point at this part.</a:t>
-            </a:r>
-            <a:endParaRPr lang="en-US" altLang="zh-TW" sz="2000" dirty="0">
-              <a:solidFill>
-                <a:srgbClr val="FF0000"/>
-              </a:solidFill>
-            </a:endParaRPr>
-          </a:p>
-          <a:p>
-            <a:pPr>
-              <a:lnSpc>
-                <a:spcPct val="150000"/>
-              </a:lnSpc>
-            </a:pPr>
-            <a:r>
-              <a:rPr lang="en-US" altLang="zh-TW" sz="2400" dirty="0" smtClean="0"/>
-              <a:t>Results and discussion(20%)</a:t>
-            </a:r>
-          </a:p>
-          <a:p>
-            <a:pPr lvl="1">
-              <a:lnSpc>
-                <a:spcPct val="150000"/>
-              </a:lnSpc>
-            </a:pPr>
-            <a:r>
-              <a:rPr lang="en-US" altLang="zh-TW" sz="2000" dirty="0"/>
-              <a:t>Show your results of spelling correction and plot the training loss curve and </a:t>
-            </a:r>
-            <a:r>
-              <a:rPr lang="en-US" altLang="zh-TW" sz="2000" dirty="0" smtClean="0"/>
-              <a:t>BLUE-4 </a:t>
-            </a:r>
-            <a:r>
-              <a:rPr lang="en-US" altLang="zh-TW" sz="2000" dirty="0"/>
-              <a:t>score testing curve during training. (10</a:t>
-            </a:r>
-            <a:r>
-              <a:rPr lang="en-US" altLang="zh-TW" sz="2000" dirty="0" smtClean="0"/>
-              <a:t>%)</a:t>
-            </a:r>
-          </a:p>
-          <a:p>
-            <a:pPr lvl="1">
-              <a:lnSpc>
-                <a:spcPct val="150000"/>
-              </a:lnSpc>
-            </a:pPr>
-            <a:r>
-              <a:rPr lang="en-US" altLang="zh-TW" sz="2000" dirty="0"/>
-              <a:t>Discuss your results or </a:t>
-            </a:r>
-            <a:r>
-              <a:rPr lang="en-US" altLang="zh-TW" sz="2000" dirty="0" smtClean="0"/>
-              <a:t>observation </a:t>
-            </a:r>
-            <a:r>
-              <a:rPr lang="en-US" altLang="zh-TW" sz="2000" dirty="0"/>
-              <a:t>based on your model design or </a:t>
-            </a:r>
-            <a:r>
-              <a:rPr lang="en-US" altLang="zh-TW" sz="2000" dirty="0" smtClean="0"/>
-              <a:t>experimental settings</a:t>
-            </a:r>
-            <a:r>
-              <a:rPr lang="en-US" altLang="zh-TW" sz="2000" dirty="0"/>
-              <a:t>. (10%)</a:t>
-            </a:r>
-            <a:endParaRPr lang="zh-TW" altLang="zh-TW" sz="2000" dirty="0"/>
-          </a:p>
-          <a:p>
-            <a:pPr lvl="1">
-              <a:lnSpc>
-                <a:spcPct val="150000"/>
-              </a:lnSpc>
-            </a:pPr>
-            <a:endParaRPr lang="zh-TW" altLang="en-US" sz="2000" dirty="0"/>
-          </a:p>
-        </p:txBody>
-      </p:sp>
-    </p:spTree>
-    <p:extLst>
-      <p:ext uri="{BB962C8B-B14F-4D97-AF65-F5344CB8AC3E}">
-        <p14:creationId xmlns:p14="http://schemas.microsoft.com/office/powerpoint/2010/main" val="3738299597"/>
-      </p:ext>
-    </p:extLst>
-  </p:cSld>
-  <p:clrMapOvr>
-    <a:masterClrMapping/>
-  </p:clrMapOvr>
-</p:sld>
-</file>
-
-<file path=ppt/slides/slide13.xml><?xml version="1.0" encoding="utf-8"?>
-<p:sld xmlns:a="http://schemas.openxmlformats.org/drawingml/2006/main" xmlns:r="http://schemas.openxmlformats.org/officeDocument/2006/relationships" xmlns:p="http://schemas.openxmlformats.org/presentationml/2006/main">
-  <p:cSld>
-    <p:spTree>
-      <p:nvGrpSpPr>
-        <p:cNvPr id="1" name=""/>
-        <p:cNvGrpSpPr/>
-        <p:nvPr/>
-      </p:nvGrpSpPr>
-      <p:grpSpPr>
-        <a:xfrm>
-          <a:off x="0" y="0"/>
-          <a:ext cx="0" cy="0"/>
-          <a:chOff x="0" y="0"/>
-          <a:chExt cx="0" cy="0"/>
-        </a:xfrm>
-      </p:grpSpPr>
-      <p:sp>
-        <p:nvSpPr>
-          <p:cNvPr id="2" name="標題 1">
-            <a:extLst>
-              <a:ext uri="{FF2B5EF4-FFF2-40B4-BE49-F238E27FC236}">
                 <a16:creationId xmlns:a16="http://schemas.microsoft.com/office/drawing/2014/main" id="{E545F5BE-0F47-466B-8B8A-F8BEE9DF5C81}"/>
               </a:ext>
             </a:extLst>
@@ -5751,7 +5667,7 @@
 </p:sld>
 </file>
 
-<file path=ppt/slides/slide14.xml><?xml version="1.0" encoding="utf-8"?>
+<file path=ppt/slides/slide13.xml><?xml version="1.0" encoding="utf-8"?>
 <p:sld xmlns:a="http://schemas.openxmlformats.org/drawingml/2006/main" xmlns:r="http://schemas.openxmlformats.org/officeDocument/2006/relationships" xmlns:p="http://schemas.openxmlformats.org/presentationml/2006/main">
   <p:cSld>
     <p:spTree>
@@ -6649,37 +6565,30 @@
       </p:sp>
       <p:pic>
         <p:nvPicPr>
-          <p:cNvPr id="6" name="Google Shape;197;p6">
+          <p:cNvPr id="5" name="圖片 4"/>
+          <p:cNvPicPr/>
+          <p:nvPr/>
+        </p:nvPicPr>
+        <p:blipFill>
+          <a:blip r:embed="rId3">
             <a:extLst>
-              <a:ext uri="{FF2B5EF4-FFF2-40B4-BE49-F238E27FC236}">
-                <a16:creationId xmlns:a16="http://schemas.microsoft.com/office/drawing/2014/main" id="{7017DE06-E99A-4F05-ABB0-FDF75EB8CD5E}"/>
+              <a:ext uri="{28A0092B-C50C-407E-A947-70E740481C1C}">
+                <a14:useLocalDpi xmlns:a14="http://schemas.microsoft.com/office/drawing/2010/main" val="0"/>
               </a:ext>
             </a:extLst>
-          </p:cNvPr>
-          <p:cNvPicPr preferRelativeResize="0">
-            <a:picLocks noChangeAspect="1"/>
-          </p:cNvPicPr>
-          <p:nvPr/>
-        </p:nvPicPr>
-        <p:blipFill rotWithShape="1">
-          <a:blip r:embed="rId3">
-            <a:alphaModFix/>
           </a:blip>
-          <a:srcRect b="54979"/>
-          <a:stretch/>
+          <a:stretch>
+            <a:fillRect/>
+          </a:stretch>
         </p:blipFill>
         <p:spPr>
           <a:xfrm>
-            <a:off x="1792728" y="2664620"/>
-            <a:ext cx="8963710" cy="2724006"/>
+            <a:off x="1893866" y="2276984"/>
+            <a:ext cx="8404267" cy="3772978"/>
           </a:xfrm>
           <a:prstGeom prst="rect">
             <a:avLst/>
           </a:prstGeom>
-          <a:noFill/>
-          <a:ln>
-            <a:noFill/>
-          </a:ln>
         </p:spPr>
       </p:pic>
     </p:spTree>

--- a/Lab2-Sequence-to-Sequence Recurrent Neural Network.pptx
+++ b/Lab2-Sequence-to-Sequence Recurrent Neural Network.pptx
@@ -6565,30 +6565,37 @@
       </p:sp>
       <p:pic>
         <p:nvPicPr>
-          <p:cNvPr id="5" name="圖片 4"/>
-          <p:cNvPicPr/>
+          <p:cNvPr id="6" name="Google Shape;197;p6">
+            <a:extLst>
+              <a:ext uri="{FF2B5EF4-FFF2-40B4-BE49-F238E27FC236}">
+                <a16:creationId xmlns:a16="http://schemas.microsoft.com/office/drawing/2014/main" id="{7017DE06-E99A-4F05-ABB0-FDF75EB8CD5E}"/>
+              </a:ext>
+            </a:extLst>
+          </p:cNvPr>
+          <p:cNvPicPr preferRelativeResize="0">
+            <a:picLocks noChangeAspect="1"/>
+          </p:cNvPicPr>
           <p:nvPr/>
         </p:nvPicPr>
-        <p:blipFill>
+        <p:blipFill rotWithShape="1">
           <a:blip r:embed="rId3">
-            <a:extLst>
-              <a:ext uri="{28A0092B-C50C-407E-A947-70E740481C1C}">
-                <a14:useLocalDpi xmlns:a14="http://schemas.microsoft.com/office/drawing/2010/main" val="0"/>
-              </a:ext>
-            </a:extLst>
+            <a:alphaModFix/>
           </a:blip>
-          <a:stretch>
-            <a:fillRect/>
-          </a:stretch>
+          <a:srcRect b="54979"/>
+          <a:stretch/>
         </p:blipFill>
         <p:spPr>
           <a:xfrm>
-            <a:off x="1893866" y="2276984"/>
-            <a:ext cx="8404267" cy="3772978"/>
+            <a:off x="1792728" y="2664620"/>
+            <a:ext cx="8963710" cy="2724006"/>
           </a:xfrm>
           <a:prstGeom prst="rect">
             <a:avLst/>
           </a:prstGeom>
+          <a:noFill/>
+          <a:ln>
+            <a:noFill/>
+          </a:ln>
         </p:spPr>
       </p:pic>
     </p:spTree>
@@ -6906,6 +6913,13 @@
   <p:clrMapOvr>
     <a:masterClrMapping/>
   </p:clrMapOvr>
+  <p:timing>
+    <p:tnLst>
+      <p:par>
+        <p:cTn id="1" dur="indefinite" restart="never" nodeType="tmRoot"/>
+      </p:par>
+    </p:tnLst>
+  </p:timing>
 </p:sld>
 </file>
 

--- a/Lab2-Sequence-to-Sequence Recurrent Neural Network.pptx
+++ b/Lab2-Sequence-to-Sequence Recurrent Neural Network.pptx
@@ -212,7 +212,7 @@
           <a:p>
             <a:fld id="{301DECB0-F330-4BC6-8C1D-7C75579671AD}" type="datetimeFigureOut">
               <a:rPr lang="zh-TW" altLang="en-US" smtClean="0"/>
-              <a:t>2021/11/3</a:t>
+              <a:t>2021/11/7</a:t>
             </a:fld>
             <a:endParaRPr lang="zh-TW" altLang="en-US"/>
           </a:p>
@@ -752,7 +752,7 @@
           <a:p>
             <a:fld id="{B614463B-6A2E-4895-AE88-B0460F94BA61}" type="datetime1">
               <a:rPr lang="zh-TW" altLang="en-US" smtClean="0"/>
-              <a:t>2021/11/3</a:t>
+              <a:t>2021/11/7</a:t>
             </a:fld>
             <a:endParaRPr lang="zh-TW" altLang="en-US"/>
           </a:p>
@@ -1111,7 +1111,7 @@
           <a:p>
             <a:fld id="{6B794F38-121F-4F5A-A8A6-64D6FCC835F3}" type="datetime1">
               <a:rPr lang="zh-TW" altLang="en-US" smtClean="0"/>
-              <a:t>2021/11/3</a:t>
+              <a:t>2021/11/7</a:t>
             </a:fld>
             <a:endParaRPr lang="zh-TW" altLang="en-US"/>
           </a:p>
@@ -1292,7 +1292,7 @@
           <a:p>
             <a:fld id="{0439B9D7-747F-4692-A449-778117ED6CA7}" type="datetime1">
               <a:rPr lang="zh-TW" altLang="en-US" smtClean="0"/>
-              <a:t>2021/11/3</a:t>
+              <a:t>2021/11/7</a:t>
             </a:fld>
             <a:endParaRPr lang="zh-TW" altLang="en-US"/>
           </a:p>
@@ -1550,7 +1550,7 @@
           <a:p>
             <a:fld id="{2D8E0B3C-FA54-4ADD-96EF-2C6EC913B95C}" type="datetime1">
               <a:rPr lang="zh-TW" altLang="en-US" smtClean="0"/>
-              <a:t>2021/11/3</a:t>
+              <a:t>2021/11/7</a:t>
             </a:fld>
             <a:endParaRPr lang="zh-TW" altLang="en-US"/>
           </a:p>
@@ -1738,7 +1738,7 @@
           <a:p>
             <a:fld id="{50DB23B9-7681-4E73-AD9D-880A5440F673}" type="datetime1">
               <a:rPr lang="zh-TW" altLang="en-US" smtClean="0"/>
-              <a:t>2021/11/3</a:t>
+              <a:t>2021/11/7</a:t>
             </a:fld>
             <a:endParaRPr lang="zh-TW" altLang="en-US" dirty="0"/>
           </a:p>
@@ -2143,7 +2143,7 @@
           <a:p>
             <a:fld id="{BCA3DAFD-8F0A-404D-81FB-17C3407BF488}" type="datetime1">
               <a:rPr lang="zh-TW" altLang="en-US" smtClean="0"/>
-              <a:t>2021/11/3</a:t>
+              <a:t>2021/11/7</a:t>
             </a:fld>
             <a:endParaRPr lang="zh-TW" altLang="en-US"/>
           </a:p>
@@ -2414,7 +2414,7 @@
           <a:p>
             <a:fld id="{E727831A-0651-4C45-A5D5-1A26B0AB06E5}" type="datetime1">
               <a:rPr lang="zh-TW" altLang="en-US" smtClean="0"/>
-              <a:t>2021/11/3</a:t>
+              <a:t>2021/11/7</a:t>
             </a:fld>
             <a:endParaRPr lang="zh-TW" altLang="en-US"/>
           </a:p>
@@ -2782,7 +2782,7 @@
           <a:p>
             <a:fld id="{4C648786-0E4C-47EA-AC9E-EA731507A06D}" type="datetime1">
               <a:rPr lang="zh-TW" altLang="en-US" smtClean="0"/>
-              <a:t>2021/11/3</a:t>
+              <a:t>2021/11/7</a:t>
             </a:fld>
             <a:endParaRPr lang="zh-TW" altLang="en-US"/>
           </a:p>
@@ -3015,7 +3015,7 @@
           <a:p>
             <a:fld id="{A5E67952-B965-4D09-8E86-15FA0D506585}" type="datetime1">
               <a:rPr lang="zh-TW" altLang="en-US" smtClean="0"/>
-              <a:t>2021/11/3</a:t>
+              <a:t>2021/11/7</a:t>
             </a:fld>
             <a:endParaRPr lang="zh-TW" altLang="en-US"/>
           </a:p>
@@ -3111,7 +3111,7 @@
           <a:p>
             <a:fld id="{4CC9FD9E-09FC-48E7-8ADC-E4C2E957C4FB}" type="datetime1">
               <a:rPr lang="zh-TW" altLang="en-US" smtClean="0"/>
-              <a:t>2021/11/3</a:t>
+              <a:t>2021/11/7</a:t>
             </a:fld>
             <a:endParaRPr lang="zh-TW" altLang="en-US"/>
           </a:p>
@@ -3384,7 +3384,7 @@
           <a:p>
             <a:fld id="{BEAD33A4-2665-4B69-A5DC-8FCBE431627A}" type="datetime1">
               <a:rPr lang="zh-TW" altLang="en-US" smtClean="0"/>
-              <a:t>2021/11/3</a:t>
+              <a:t>2021/11/7</a:t>
             </a:fld>
             <a:endParaRPr lang="zh-TW" altLang="en-US"/>
           </a:p>
@@ -3618,7 +3618,7 @@
           <a:p>
             <a:fld id="{067392FE-DE96-47AA-9239-CD196987B051}" type="datetime1">
               <a:rPr lang="zh-TW" altLang="en-US" smtClean="0"/>
-              <a:t>2021/11/3</a:t>
+              <a:t>2021/11/7</a:t>
             </a:fld>
             <a:endParaRPr lang="zh-TW" altLang="en-US"/>
           </a:p>
@@ -4123,7 +4123,7 @@
           <a:p>
             <a:fld id="{DFF19DB1-11A0-463A-B2AA-DBDC8C4B4B55}" type="datetime1">
               <a:rPr lang="zh-TW" altLang="en-US" smtClean="0"/>
-              <a:t>2021/11/3</a:t>
+              <a:t>2021/11/7</a:t>
             </a:fld>
             <a:endParaRPr lang="zh-TW" altLang="en-US"/>
           </a:p>
@@ -5202,6 +5202,13 @@
   <p:clrMapOvr>
     <a:masterClrMapping/>
   </p:clrMapOvr>
+  <p:timing>
+    <p:tnLst>
+      <p:par>
+        <p:cTn id="1" dur="indefinite" restart="never" nodeType="tmRoot"/>
+      </p:par>
+    </p:tnLst>
+  </p:timing>
 </p:sld>
 </file>
 
@@ -5456,6 +5463,13 @@
   <p:clrMapOvr>
     <a:masterClrMapping/>
   </p:clrMapOvr>
+  <p:timing>
+    <p:tnLst>
+      <p:par>
+        <p:cTn id="1" dur="indefinite" restart="never" nodeType="tmRoot"/>
+      </p:par>
+    </p:tnLst>
+  </p:timing>
 </p:sld>
 </file>
 
@@ -5539,7 +5553,7 @@
         </p:spPr>
         <p:txBody>
           <a:bodyPr>
-            <a:normAutofit/>
+            <a:normAutofit fontScale="92500" lnSpcReduction="20000"/>
           </a:bodyPr>
           <a:lstStyle/>
           <a:p>
@@ -5580,12 +5594,40 @@
               </a:lnSpc>
             </a:pPr>
             <a:r>
-              <a:rPr lang="en-US" altLang="zh-TW" dirty="0" smtClean="0"/>
+              <a:rPr lang="en-US" altLang="zh-TW" dirty="0" smtClean="0">
+                <a:cs typeface="Calibri" panose="020F0502020204030204" pitchFamily="34" charset="0"/>
+              </a:rPr>
               <a:t>score </a:t>
             </a:r>
             <a:r>
-              <a:rPr lang="en-US" altLang="zh-TW" dirty="0"/>
-              <a:t>&gt;= 0.7 			---- 	100%</a:t>
+              <a:rPr lang="en-US" altLang="zh-TW" dirty="0">
+                <a:cs typeface="Calibri" panose="020F0502020204030204" pitchFamily="34" charset="0"/>
+              </a:rPr>
+              <a:t>&gt;= </a:t>
+            </a:r>
+            <a:r>
+              <a:rPr lang="en-US" altLang="zh-TW" dirty="0" smtClean="0">
+                <a:cs typeface="Calibri" panose="020F0502020204030204" pitchFamily="34" charset="0"/>
+              </a:rPr>
+              <a:t>0.8</a:t>
+            </a:r>
+            <a:r>
+              <a:rPr lang="en-US" altLang="zh-TW" dirty="0">
+                <a:cs typeface="Calibri" panose="020F0502020204030204" pitchFamily="34" charset="0"/>
+              </a:rPr>
+              <a:t>		</a:t>
+            </a:r>
+            <a:r>
+              <a:rPr lang="en-US" altLang="zh-TW" dirty="0" smtClean="0">
+                <a:cs typeface="Calibri" panose="020F0502020204030204" pitchFamily="34" charset="0"/>
+              </a:rPr>
+              <a:t>---- </a:t>
+            </a:r>
+            <a:r>
+              <a:rPr lang="en-US" altLang="zh-TW" dirty="0">
+                <a:cs typeface="Calibri" panose="020F0502020204030204" pitchFamily="34" charset="0"/>
+              </a:rPr>
+              <a:t>	100%</a:t>
             </a:r>
           </a:p>
           <a:p>
@@ -5595,8 +5637,28 @@
               </a:lnSpc>
             </a:pPr>
             <a:r>
-              <a:rPr lang="en-US" altLang="zh-TW" dirty="0"/>
-              <a:t>0.7 &gt; score &gt;= 0.6 		---- 	90%</a:t>
+              <a:rPr lang="en-US" altLang="zh-TW" dirty="0" smtClean="0">
+                <a:cs typeface="Calibri" panose="020F0502020204030204" pitchFamily="34" charset="0"/>
+              </a:rPr>
+              <a:t>0.8 </a:t>
+            </a:r>
+            <a:r>
+              <a:rPr lang="en-US" altLang="zh-TW" dirty="0">
+                <a:cs typeface="Calibri" panose="020F0502020204030204" pitchFamily="34" charset="0"/>
+              </a:rPr>
+              <a:t>&gt; score &gt;= </a:t>
+            </a:r>
+            <a:r>
+              <a:rPr lang="en-US" altLang="zh-TW" dirty="0" smtClean="0">
+                <a:cs typeface="Calibri" panose="020F0502020204030204" pitchFamily="34" charset="0"/>
+              </a:rPr>
+              <a:t>0.7 </a:t>
+            </a:r>
+            <a:r>
+              <a:rPr lang="en-US" altLang="zh-TW" dirty="0">
+                <a:cs typeface="Calibri" panose="020F0502020204030204" pitchFamily="34" charset="0"/>
+              </a:rPr>
+              <a:t>		---- 	90%</a:t>
             </a:r>
           </a:p>
           <a:p>
@@ -5606,8 +5668,34 @@
               </a:lnSpc>
             </a:pPr>
             <a:r>
-              <a:rPr lang="en-US" altLang="zh-TW" dirty="0"/>
-              <a:t>0.6 &gt; score &gt;= 0.4 		----	80%</a:t>
+              <a:rPr lang="en-US" altLang="zh-TW" dirty="0" smtClean="0">
+                <a:cs typeface="Calibri" panose="020F0502020204030204" pitchFamily="34" charset="0"/>
+              </a:rPr>
+              <a:t>0.7 </a:t>
+            </a:r>
+            <a:r>
+              <a:rPr lang="en-US" altLang="zh-TW" dirty="0">
+                <a:cs typeface="Calibri" panose="020F0502020204030204" pitchFamily="34" charset="0"/>
+              </a:rPr>
+              <a:t>&gt; score &gt;= </a:t>
+            </a:r>
+            <a:r>
+              <a:rPr lang="en-US" altLang="zh-TW" dirty="0" smtClean="0">
+                <a:cs typeface="Calibri" panose="020F0502020204030204" pitchFamily="34" charset="0"/>
+              </a:rPr>
+              <a:t>0.6 </a:t>
+            </a:r>
+            <a:r>
+              <a:rPr lang="en-US" altLang="zh-TW" dirty="0">
+                <a:cs typeface="Calibri" panose="020F0502020204030204" pitchFamily="34" charset="0"/>
+              </a:rPr>
+              <a:t>		----	80</a:t>
+            </a:r>
+            <a:r>
+              <a:rPr lang="en-US" altLang="zh-TW" dirty="0" smtClean="0">
+                <a:cs typeface="Calibri" panose="020F0502020204030204" pitchFamily="34" charset="0"/>
+              </a:rPr>
+              <a:t>%</a:t>
             </a:r>
           </a:p>
           <a:p>
@@ -5617,11 +5705,95 @@
               </a:lnSpc>
             </a:pPr>
             <a:r>
-              <a:rPr lang="en-US" altLang="zh-TW" dirty="0"/>
-              <a:t>score &lt; 0.4			---- 	0</a:t>
-            </a:r>
-            <a:r>
-              <a:rPr lang="en-US" altLang="zh-TW" dirty="0" smtClean="0"/>
+              <a:rPr lang="en-US" altLang="zh-TW" dirty="0" smtClean="0">
+                <a:cs typeface="Calibri" panose="020F0502020204030204" pitchFamily="34" charset="0"/>
+              </a:rPr>
+              <a:t>0.6</a:t>
+            </a:r>
+            <a:r>
+              <a:rPr lang="zh-TW" altLang="en-US" dirty="0" smtClean="0">
+                <a:cs typeface="Calibri" panose="020F0502020204030204" pitchFamily="34" charset="0"/>
+              </a:rPr>
+              <a:t> </a:t>
+            </a:r>
+            <a:r>
+              <a:rPr lang="en-US" altLang="zh-TW" dirty="0" smtClean="0">
+                <a:cs typeface="Calibri" panose="020F0502020204030204" pitchFamily="34" charset="0"/>
+              </a:rPr>
+              <a:t>&gt;</a:t>
+            </a:r>
+            <a:r>
+              <a:rPr lang="zh-TW" altLang="en-US" dirty="0" smtClean="0">
+                <a:cs typeface="Calibri" panose="020F0502020204030204" pitchFamily="34" charset="0"/>
+              </a:rPr>
+              <a:t> </a:t>
+            </a:r>
+            <a:r>
+              <a:rPr lang="en-US" altLang="zh-TW" dirty="0" smtClean="0">
+                <a:cs typeface="Calibri" panose="020F0502020204030204" pitchFamily="34" charset="0"/>
+              </a:rPr>
+              <a:t>score &gt;= 0.5                  ----</a:t>
+            </a:r>
+            <a:r>
+              <a:rPr lang="en-US" altLang="zh-TW" dirty="0">
+                <a:cs typeface="Calibri" panose="020F0502020204030204" pitchFamily="34" charset="0"/>
+              </a:rPr>
+              <a:t>	</a:t>
+            </a:r>
+            <a:r>
+              <a:rPr lang="en-US" altLang="zh-TW" dirty="0" smtClean="0">
+                <a:cs typeface="Calibri" panose="020F0502020204030204" pitchFamily="34" charset="0"/>
+              </a:rPr>
+              <a:t>70%</a:t>
+            </a:r>
+          </a:p>
+          <a:p>
+            <a:pPr lvl="1">
+              <a:lnSpc>
+                <a:spcPct val="150000"/>
+              </a:lnSpc>
+            </a:pPr>
+            <a:r>
+              <a:rPr lang="en-US" altLang="zh-TW" dirty="0" smtClean="0">
+                <a:cs typeface="Calibri" panose="020F0502020204030204" pitchFamily="34" charset="0"/>
+              </a:rPr>
+              <a:t>0.5 &gt; score &gt;= 0.4		</a:t>
+            </a:r>
+            <a:r>
+              <a:rPr lang="en-US" altLang="zh-TW" dirty="0">
+                <a:cs typeface="Calibri" panose="020F0502020204030204" pitchFamily="34" charset="0"/>
+              </a:rPr>
+              <a:t>----	</a:t>
+            </a:r>
+            <a:r>
+              <a:rPr lang="en-US" altLang="zh-TW" dirty="0" smtClean="0">
+                <a:cs typeface="Calibri" panose="020F0502020204030204" pitchFamily="34" charset="0"/>
+              </a:rPr>
+              <a:t>60%</a:t>
+            </a:r>
+          </a:p>
+          <a:p>
+            <a:pPr lvl="1">
+              <a:lnSpc>
+                <a:spcPct val="150000"/>
+              </a:lnSpc>
+            </a:pPr>
+            <a:r>
+              <a:rPr lang="en-US" altLang="zh-TW" dirty="0" smtClean="0">
+                <a:cs typeface="Calibri" panose="020F0502020204030204" pitchFamily="34" charset="0"/>
+              </a:rPr>
+              <a:t>score </a:t>
+            </a:r>
+            <a:r>
+              <a:rPr lang="en-US" altLang="zh-TW" dirty="0">
+                <a:cs typeface="Calibri" panose="020F0502020204030204" pitchFamily="34" charset="0"/>
+              </a:rPr>
+              <a:t>&lt; 0.4			---- 	0</a:t>
+            </a:r>
+            <a:r>
+              <a:rPr lang="en-US" altLang="zh-TW" dirty="0" smtClean="0">
+                <a:cs typeface="Calibri" panose="020F0502020204030204" pitchFamily="34" charset="0"/>
+              </a:rPr>
               <a:t>%</a:t>
             </a:r>
           </a:p>
@@ -5664,6 +5836,13 @@
   <p:clrMapOvr>
     <a:masterClrMapping/>
   </p:clrMapOvr>
+  <p:timing>
+    <p:tnLst>
+      <p:par>
+        <p:cTn id="1" dur="indefinite" restart="never" nodeType="tmRoot"/>
+      </p:par>
+    </p:tnLst>
+  </p:timing>
 </p:sld>
 </file>
 
@@ -5781,6 +5960,13 @@
   <p:clrMapOvr>
     <a:masterClrMapping/>
   </p:clrMapOvr>
+  <p:timing>
+    <p:tnLst>
+      <p:par>
+        <p:cTn id="1" dur="indefinite" restart="never" nodeType="tmRoot"/>
+      </p:par>
+    </p:tnLst>
+  </p:timing>
 </p:sld>
 </file>
 
@@ -6825,10 +7011,6 @@
               <a:rPr lang="en-US" altLang="zh-TW" dirty="0"/>
               <a:t>Lab Description </a:t>
             </a:r>
-            <a:r>
-              <a:rPr lang="en-US" altLang="zh-TW" dirty="0" smtClean="0"/>
-              <a:t>-</a:t>
-            </a:r>
             <a:endParaRPr lang="zh-TW" altLang="en-US" dirty="0"/>
           </a:p>
         </p:txBody>
@@ -7085,6 +7267,13 @@
   <p:clrMapOvr>
     <a:masterClrMapping/>
   </p:clrMapOvr>
+  <p:timing>
+    <p:tnLst>
+      <p:par>
+        <p:cTn id="1" dur="indefinite" restart="never" nodeType="tmRoot"/>
+      </p:par>
+    </p:tnLst>
+  </p:timing>
 </p:sld>
 </file>
 
